--- a/ipsj/figure/TECSFlow.pptx
+++ b/ipsj/figure/TECSFlow.pptx
@@ -2,12 +2,12 @@
 <file path=ppt/presentation.xml><?xml version="1.0" encoding="utf-8"?>
 <p:presentation xmlns:a="http://schemas.openxmlformats.org/drawingml/2006/main" xmlns:r="http://schemas.openxmlformats.org/officeDocument/2006/relationships" xmlns:p="http://schemas.openxmlformats.org/presentationml/2006/main" saveSubsetFonts="1">
   <p:sldMasterIdLst>
-    <p:sldMasterId id="2147483672" r:id="rId1"/>
+    <p:sldMasterId id="2147483684" r:id="rId1"/>
   </p:sldMasterIdLst>
   <p:sldIdLst>
     <p:sldId id="259" r:id="rId2"/>
   </p:sldIdLst>
-  <p:sldSz cx="12192000" cy="12977813"/>
+  <p:sldSz cx="12192000" cy="8999538"/>
   <p:notesSz cx="6858000" cy="9144000"/>
   <p:defaultTextStyle>
     <a:defPPr>
@@ -141,15 +141,15 @@
         </p:nvSpPr>
         <p:spPr>
           <a:xfrm>
-            <a:off x="914400" y="2123916"/>
-            <a:ext cx="10363200" cy="4518202"/>
+            <a:off x="914400" y="1472842"/>
+            <a:ext cx="10363200" cy="3133172"/>
           </a:xfrm>
         </p:spPr>
         <p:txBody>
           <a:bodyPr anchor="b"/>
           <a:lstStyle>
             <a:lvl1pPr algn="ctr">
-              <a:defRPr sz="8000"/>
+              <a:defRPr sz="7874"/>
             </a:lvl1pPr>
           </a:lstStyle>
           <a:p>
@@ -173,8 +173,8 @@
         </p:nvSpPr>
         <p:spPr>
           <a:xfrm>
-            <a:off x="1524000" y="6816357"/>
-            <a:ext cx="9144000" cy="3133300"/>
+            <a:off x="1524000" y="4726842"/>
+            <a:ext cx="9144000" cy="2172804"/>
           </a:xfrm>
         </p:spPr>
         <p:txBody>
@@ -182,39 +182,39 @@
           <a:lstStyle>
             <a:lvl1pPr marL="0" indent="0" algn="ctr">
               <a:buNone/>
-              <a:defRPr sz="3200"/>
+              <a:defRPr sz="3150"/>
             </a:lvl1pPr>
-            <a:lvl2pPr marL="609585" indent="0" algn="ctr">
-              <a:buNone/>
-              <a:defRPr sz="2667"/>
+            <a:lvl2pPr marL="599984" indent="0" algn="ctr">
+              <a:buNone/>
+              <a:defRPr sz="2625"/>
             </a:lvl2pPr>
-            <a:lvl3pPr marL="1219170" indent="0" algn="ctr">
-              <a:buNone/>
-              <a:defRPr sz="2400"/>
+            <a:lvl3pPr marL="1199967" indent="0" algn="ctr">
+              <a:buNone/>
+              <a:defRPr sz="2362"/>
             </a:lvl3pPr>
-            <a:lvl4pPr marL="1828754" indent="0" algn="ctr">
-              <a:buNone/>
-              <a:defRPr sz="2133"/>
+            <a:lvl4pPr marL="1799951" indent="0" algn="ctr">
+              <a:buNone/>
+              <a:defRPr sz="2100"/>
             </a:lvl4pPr>
-            <a:lvl5pPr marL="2438339" indent="0" algn="ctr">
-              <a:buNone/>
-              <a:defRPr sz="2133"/>
+            <a:lvl5pPr marL="2399934" indent="0" algn="ctr">
+              <a:buNone/>
+              <a:defRPr sz="2100"/>
             </a:lvl5pPr>
-            <a:lvl6pPr marL="3047924" indent="0" algn="ctr">
-              <a:buNone/>
-              <a:defRPr sz="2133"/>
+            <a:lvl6pPr marL="2999918" indent="0" algn="ctr">
+              <a:buNone/>
+              <a:defRPr sz="2100"/>
             </a:lvl6pPr>
-            <a:lvl7pPr marL="3657509" indent="0" algn="ctr">
-              <a:buNone/>
-              <a:defRPr sz="2133"/>
+            <a:lvl7pPr marL="3599901" indent="0" algn="ctr">
+              <a:buNone/>
+              <a:defRPr sz="2100"/>
             </a:lvl7pPr>
-            <a:lvl8pPr marL="4267093" indent="0" algn="ctr">
-              <a:buNone/>
-              <a:defRPr sz="2133"/>
+            <a:lvl8pPr marL="4199885" indent="0" algn="ctr">
+              <a:buNone/>
+              <a:defRPr sz="2100"/>
             </a:lvl8pPr>
-            <a:lvl9pPr marL="4876678" indent="0" algn="ctr">
-              <a:buNone/>
-              <a:defRPr sz="2133"/>
+            <a:lvl9pPr marL="4799868" indent="0" algn="ctr">
+              <a:buNone/>
+              <a:defRPr sz="2100"/>
             </a:lvl9pPr>
           </a:lstStyle>
           <a:p>
@@ -243,7 +243,7 @@
           <a:p>
             <a:fld id="{793083FE-F8B2-4577-9B92-6995EB3820F1}" type="datetimeFigureOut">
               <a:rPr kumimoji="1" lang="ja-JP" altLang="en-US" smtClean="0"/>
-              <a:t>2017/7/25</a:t>
+              <a:t>2017/11/16</a:t>
             </a:fld>
             <a:endParaRPr kumimoji="1" lang="ja-JP" altLang="en-US"/>
           </a:p>
@@ -294,7 +294,7 @@
     </p:spTree>
     <p:extLst>
       <p:ext uri="{BB962C8B-B14F-4D97-AF65-F5344CB8AC3E}">
-        <p14:creationId xmlns:p14="http://schemas.microsoft.com/office/powerpoint/2010/main" val="2974937196"/>
+        <p14:creationId xmlns:p14="http://schemas.microsoft.com/office/powerpoint/2010/main" val="2080975034"/>
       </p:ext>
     </p:extLst>
   </p:cSld>
@@ -445,7 +445,7 @@
           <a:p>
             <a:fld id="{793083FE-F8B2-4577-9B92-6995EB3820F1}" type="datetimeFigureOut">
               <a:rPr kumimoji="1" lang="ja-JP" altLang="en-US" smtClean="0"/>
-              <a:t>2017/7/25</a:t>
+              <a:t>2017/11/16</a:t>
             </a:fld>
             <a:endParaRPr kumimoji="1" lang="ja-JP" altLang="en-US"/>
           </a:p>
@@ -496,7 +496,7 @@
     </p:spTree>
     <p:extLst>
       <p:ext uri="{BB962C8B-B14F-4D97-AF65-F5344CB8AC3E}">
-        <p14:creationId xmlns:p14="http://schemas.microsoft.com/office/powerpoint/2010/main" val="277411336"/>
+        <p14:creationId xmlns:p14="http://schemas.microsoft.com/office/powerpoint/2010/main" val="3035795543"/>
       </p:ext>
     </p:extLst>
   </p:cSld>
@@ -535,8 +535,8 @@
         </p:nvSpPr>
         <p:spPr>
           <a:xfrm>
-            <a:off x="8724901" y="690948"/>
-            <a:ext cx="2628900" cy="10998097"/>
+            <a:off x="8724901" y="479142"/>
+            <a:ext cx="2628900" cy="7626692"/>
           </a:xfrm>
         </p:spPr>
         <p:txBody>
@@ -563,8 +563,8 @@
         </p:nvSpPr>
         <p:spPr>
           <a:xfrm>
-            <a:off x="838201" y="690948"/>
-            <a:ext cx="7734300" cy="10998097"/>
+            <a:off x="838201" y="479142"/>
+            <a:ext cx="7734300" cy="7626692"/>
           </a:xfrm>
         </p:spPr>
         <p:txBody>
@@ -657,7 +657,7 @@
           <a:p>
             <a:fld id="{793083FE-F8B2-4577-9B92-6995EB3820F1}" type="datetimeFigureOut">
               <a:rPr kumimoji="1" lang="ja-JP" altLang="en-US" smtClean="0"/>
-              <a:t>2017/7/25</a:t>
+              <a:t>2017/11/16</a:t>
             </a:fld>
             <a:endParaRPr kumimoji="1" lang="ja-JP" altLang="en-US"/>
           </a:p>
@@ -708,7 +708,7 @@
     </p:spTree>
     <p:extLst>
       <p:ext uri="{BB962C8B-B14F-4D97-AF65-F5344CB8AC3E}">
-        <p14:creationId xmlns:p14="http://schemas.microsoft.com/office/powerpoint/2010/main" val="2676171630"/>
+        <p14:creationId xmlns:p14="http://schemas.microsoft.com/office/powerpoint/2010/main" val="2094477367"/>
       </p:ext>
     </p:extLst>
   </p:cSld>
@@ -859,7 +859,7 @@
           <a:p>
             <a:fld id="{793083FE-F8B2-4577-9B92-6995EB3820F1}" type="datetimeFigureOut">
               <a:rPr kumimoji="1" lang="ja-JP" altLang="en-US" smtClean="0"/>
-              <a:t>2017/7/25</a:t>
+              <a:t>2017/11/16</a:t>
             </a:fld>
             <a:endParaRPr kumimoji="1" lang="ja-JP" altLang="en-US"/>
           </a:p>
@@ -910,7 +910,7 @@
     </p:spTree>
     <p:extLst>
       <p:ext uri="{BB962C8B-B14F-4D97-AF65-F5344CB8AC3E}">
-        <p14:creationId xmlns:p14="http://schemas.microsoft.com/office/powerpoint/2010/main" val="2636508696"/>
+        <p14:creationId xmlns:p14="http://schemas.microsoft.com/office/powerpoint/2010/main" val="2041396646"/>
       </p:ext>
     </p:extLst>
   </p:cSld>
@@ -949,15 +949,15 @@
         </p:nvSpPr>
         <p:spPr>
           <a:xfrm>
-            <a:off x="831851" y="3235445"/>
-            <a:ext cx="10515600" cy="5398409"/>
+            <a:off x="831851" y="2243638"/>
+            <a:ext cx="10515600" cy="3743557"/>
           </a:xfrm>
         </p:spPr>
         <p:txBody>
           <a:bodyPr anchor="b"/>
           <a:lstStyle>
             <a:lvl1pPr>
-              <a:defRPr sz="8000"/>
+              <a:defRPr sz="7874"/>
             </a:lvl1pPr>
           </a:lstStyle>
           <a:p>
@@ -981,8 +981,8 @@
         </p:nvSpPr>
         <p:spPr>
           <a:xfrm>
-            <a:off x="831851" y="8684924"/>
-            <a:ext cx="10515600" cy="2838896"/>
+            <a:off x="831851" y="6022610"/>
+            <a:ext cx="10515600" cy="1968648"/>
           </a:xfrm>
         </p:spPr>
         <p:txBody>
@@ -990,15 +990,15 @@
           <a:lstStyle>
             <a:lvl1pPr marL="0" indent="0">
               <a:buNone/>
-              <a:defRPr sz="3200">
+              <a:defRPr sz="3150">
                 <a:solidFill>
                   <a:schemeClr val="tx1"/>
                 </a:solidFill>
               </a:defRPr>
             </a:lvl1pPr>
-            <a:lvl2pPr marL="609585" indent="0">
-              <a:buNone/>
-              <a:defRPr sz="2667">
+            <a:lvl2pPr marL="599984" indent="0">
+              <a:buNone/>
+              <a:defRPr sz="2625">
                 <a:solidFill>
                   <a:schemeClr val="tx1">
                     <a:tint val="75000"/>
@@ -1006,9 +1006,9 @@
                 </a:solidFill>
               </a:defRPr>
             </a:lvl2pPr>
-            <a:lvl3pPr marL="1219170" indent="0">
-              <a:buNone/>
-              <a:defRPr sz="2400">
+            <a:lvl3pPr marL="1199967" indent="0">
+              <a:buNone/>
+              <a:defRPr sz="2362">
                 <a:solidFill>
                   <a:schemeClr val="tx1">
                     <a:tint val="75000"/>
@@ -1016,9 +1016,9 @@
                 </a:solidFill>
               </a:defRPr>
             </a:lvl3pPr>
-            <a:lvl4pPr marL="1828754" indent="0">
-              <a:buNone/>
-              <a:defRPr sz="2133">
+            <a:lvl4pPr marL="1799951" indent="0">
+              <a:buNone/>
+              <a:defRPr sz="2100">
                 <a:solidFill>
                   <a:schemeClr val="tx1">
                     <a:tint val="75000"/>
@@ -1026,9 +1026,9 @@
                 </a:solidFill>
               </a:defRPr>
             </a:lvl4pPr>
-            <a:lvl5pPr marL="2438339" indent="0">
-              <a:buNone/>
-              <a:defRPr sz="2133">
+            <a:lvl5pPr marL="2399934" indent="0">
+              <a:buNone/>
+              <a:defRPr sz="2100">
                 <a:solidFill>
                   <a:schemeClr val="tx1">
                     <a:tint val="75000"/>
@@ -1036,9 +1036,9 @@
                 </a:solidFill>
               </a:defRPr>
             </a:lvl5pPr>
-            <a:lvl6pPr marL="3047924" indent="0">
-              <a:buNone/>
-              <a:defRPr sz="2133">
+            <a:lvl6pPr marL="2999918" indent="0">
+              <a:buNone/>
+              <a:defRPr sz="2100">
                 <a:solidFill>
                   <a:schemeClr val="tx1">
                     <a:tint val="75000"/>
@@ -1046,9 +1046,9 @@
                 </a:solidFill>
               </a:defRPr>
             </a:lvl6pPr>
-            <a:lvl7pPr marL="3657509" indent="0">
-              <a:buNone/>
-              <a:defRPr sz="2133">
+            <a:lvl7pPr marL="3599901" indent="0">
+              <a:buNone/>
+              <a:defRPr sz="2100">
                 <a:solidFill>
                   <a:schemeClr val="tx1">
                     <a:tint val="75000"/>
@@ -1056,9 +1056,9 @@
                 </a:solidFill>
               </a:defRPr>
             </a:lvl7pPr>
-            <a:lvl8pPr marL="4267093" indent="0">
-              <a:buNone/>
-              <a:defRPr sz="2133">
+            <a:lvl8pPr marL="4199885" indent="0">
+              <a:buNone/>
+              <a:defRPr sz="2100">
                 <a:solidFill>
                   <a:schemeClr val="tx1">
                     <a:tint val="75000"/>
@@ -1066,9 +1066,9 @@
                 </a:solidFill>
               </a:defRPr>
             </a:lvl8pPr>
-            <a:lvl9pPr marL="4876678" indent="0">
-              <a:buNone/>
-              <a:defRPr sz="2133">
+            <a:lvl9pPr marL="4799868" indent="0">
+              <a:buNone/>
+              <a:defRPr sz="2100">
                 <a:solidFill>
                   <a:schemeClr val="tx1">
                     <a:tint val="75000"/>
@@ -1103,7 +1103,7 @@
           <a:p>
             <a:fld id="{793083FE-F8B2-4577-9B92-6995EB3820F1}" type="datetimeFigureOut">
               <a:rPr kumimoji="1" lang="ja-JP" altLang="en-US" smtClean="0"/>
-              <a:t>2017/7/25</a:t>
+              <a:t>2017/11/16</a:t>
             </a:fld>
             <a:endParaRPr kumimoji="1" lang="ja-JP" altLang="en-US"/>
           </a:p>
@@ -1154,7 +1154,7 @@
     </p:spTree>
     <p:extLst>
       <p:ext uri="{BB962C8B-B14F-4D97-AF65-F5344CB8AC3E}">
-        <p14:creationId xmlns:p14="http://schemas.microsoft.com/office/powerpoint/2010/main" val="4068752851"/>
+        <p14:creationId xmlns:p14="http://schemas.microsoft.com/office/powerpoint/2010/main" val="3582838104"/>
       </p:ext>
     </p:extLst>
   </p:cSld>
@@ -1216,8 +1216,8 @@
         </p:nvSpPr>
         <p:spPr>
           <a:xfrm>
-            <a:off x="838200" y="3454742"/>
-            <a:ext cx="5181600" cy="8234303"/>
+            <a:off x="838200" y="2395710"/>
+            <a:ext cx="5181600" cy="5710124"/>
           </a:xfrm>
         </p:spPr>
         <p:txBody>
@@ -1305,8 +1305,8 @@
         </p:nvSpPr>
         <p:spPr>
           <a:xfrm>
-            <a:off x="6172200" y="3454742"/>
-            <a:ext cx="5181600" cy="8234303"/>
+            <a:off x="6172200" y="2395710"/>
+            <a:ext cx="5181600" cy="5710124"/>
           </a:xfrm>
         </p:spPr>
         <p:txBody>
@@ -1399,7 +1399,7 @@
           <a:p>
             <a:fld id="{793083FE-F8B2-4577-9B92-6995EB3820F1}" type="datetimeFigureOut">
               <a:rPr kumimoji="1" lang="ja-JP" altLang="en-US" smtClean="0"/>
-              <a:t>2017/7/25</a:t>
+              <a:t>2017/11/16</a:t>
             </a:fld>
             <a:endParaRPr kumimoji="1" lang="ja-JP" altLang="en-US"/>
           </a:p>
@@ -1450,7 +1450,7 @@
     </p:spTree>
     <p:extLst>
       <p:ext uri="{BB962C8B-B14F-4D97-AF65-F5344CB8AC3E}">
-        <p14:creationId xmlns:p14="http://schemas.microsoft.com/office/powerpoint/2010/main" val="2415967374"/>
+        <p14:creationId xmlns:p14="http://schemas.microsoft.com/office/powerpoint/2010/main" val="3227832110"/>
       </p:ext>
     </p:extLst>
   </p:cSld>
@@ -1489,8 +1489,8 @@
         </p:nvSpPr>
         <p:spPr>
           <a:xfrm>
-            <a:off x="839788" y="690951"/>
-            <a:ext cx="10515600" cy="2508444"/>
+            <a:off x="839788" y="479144"/>
+            <a:ext cx="10515600" cy="1739495"/>
           </a:xfrm>
         </p:spPr>
         <p:txBody>
@@ -1517,8 +1517,8 @@
         </p:nvSpPr>
         <p:spPr>
           <a:xfrm>
-            <a:off x="839789" y="3181368"/>
-            <a:ext cx="5157787" cy="1559139"/>
+            <a:off x="839789" y="2206137"/>
+            <a:ext cx="5157787" cy="1081194"/>
           </a:xfrm>
         </p:spPr>
         <p:txBody>
@@ -1526,39 +1526,39 @@
           <a:lstStyle>
             <a:lvl1pPr marL="0" indent="0">
               <a:buNone/>
-              <a:defRPr sz="3200" b="1"/>
+              <a:defRPr sz="3150" b="1"/>
             </a:lvl1pPr>
-            <a:lvl2pPr marL="609585" indent="0">
-              <a:buNone/>
-              <a:defRPr sz="2667" b="1"/>
+            <a:lvl2pPr marL="599984" indent="0">
+              <a:buNone/>
+              <a:defRPr sz="2625" b="1"/>
             </a:lvl2pPr>
-            <a:lvl3pPr marL="1219170" indent="0">
-              <a:buNone/>
-              <a:defRPr sz="2400" b="1"/>
+            <a:lvl3pPr marL="1199967" indent="0">
+              <a:buNone/>
+              <a:defRPr sz="2362" b="1"/>
             </a:lvl3pPr>
-            <a:lvl4pPr marL="1828754" indent="0">
-              <a:buNone/>
-              <a:defRPr sz="2133" b="1"/>
+            <a:lvl4pPr marL="1799951" indent="0">
+              <a:buNone/>
+              <a:defRPr sz="2100" b="1"/>
             </a:lvl4pPr>
-            <a:lvl5pPr marL="2438339" indent="0">
-              <a:buNone/>
-              <a:defRPr sz="2133" b="1"/>
+            <a:lvl5pPr marL="2399934" indent="0">
+              <a:buNone/>
+              <a:defRPr sz="2100" b="1"/>
             </a:lvl5pPr>
-            <a:lvl6pPr marL="3047924" indent="0">
-              <a:buNone/>
-              <a:defRPr sz="2133" b="1"/>
+            <a:lvl6pPr marL="2999918" indent="0">
+              <a:buNone/>
+              <a:defRPr sz="2100" b="1"/>
             </a:lvl6pPr>
-            <a:lvl7pPr marL="3657509" indent="0">
-              <a:buNone/>
-              <a:defRPr sz="2133" b="1"/>
+            <a:lvl7pPr marL="3599901" indent="0">
+              <a:buNone/>
+              <a:defRPr sz="2100" b="1"/>
             </a:lvl7pPr>
-            <a:lvl8pPr marL="4267093" indent="0">
-              <a:buNone/>
-              <a:defRPr sz="2133" b="1"/>
+            <a:lvl8pPr marL="4199885" indent="0">
+              <a:buNone/>
+              <a:defRPr sz="2100" b="1"/>
             </a:lvl8pPr>
-            <a:lvl9pPr marL="4876678" indent="0">
-              <a:buNone/>
-              <a:defRPr sz="2133" b="1"/>
+            <a:lvl9pPr marL="4799868" indent="0">
+              <a:buNone/>
+              <a:defRPr sz="2100" b="1"/>
             </a:lvl9pPr>
           </a:lstStyle>
           <a:p>
@@ -1582,8 +1582,8 @@
         </p:nvSpPr>
         <p:spPr>
           <a:xfrm>
-            <a:off x="839789" y="4740507"/>
-            <a:ext cx="5157787" cy="6972571"/>
+            <a:off x="839789" y="3287331"/>
+            <a:ext cx="5157787" cy="4835169"/>
           </a:xfrm>
         </p:spPr>
         <p:txBody>
@@ -1671,8 +1671,8 @@
         </p:nvSpPr>
         <p:spPr>
           <a:xfrm>
-            <a:off x="6172201" y="3181368"/>
-            <a:ext cx="5183188" cy="1559139"/>
+            <a:off x="6172201" y="2206137"/>
+            <a:ext cx="5183188" cy="1081194"/>
           </a:xfrm>
         </p:spPr>
         <p:txBody>
@@ -1680,39 +1680,39 @@
           <a:lstStyle>
             <a:lvl1pPr marL="0" indent="0">
               <a:buNone/>
-              <a:defRPr sz="3200" b="1"/>
+              <a:defRPr sz="3150" b="1"/>
             </a:lvl1pPr>
-            <a:lvl2pPr marL="609585" indent="0">
-              <a:buNone/>
-              <a:defRPr sz="2667" b="1"/>
+            <a:lvl2pPr marL="599984" indent="0">
+              <a:buNone/>
+              <a:defRPr sz="2625" b="1"/>
             </a:lvl2pPr>
-            <a:lvl3pPr marL="1219170" indent="0">
-              <a:buNone/>
-              <a:defRPr sz="2400" b="1"/>
+            <a:lvl3pPr marL="1199967" indent="0">
+              <a:buNone/>
+              <a:defRPr sz="2362" b="1"/>
             </a:lvl3pPr>
-            <a:lvl4pPr marL="1828754" indent="0">
-              <a:buNone/>
-              <a:defRPr sz="2133" b="1"/>
+            <a:lvl4pPr marL="1799951" indent="0">
+              <a:buNone/>
+              <a:defRPr sz="2100" b="1"/>
             </a:lvl4pPr>
-            <a:lvl5pPr marL="2438339" indent="0">
-              <a:buNone/>
-              <a:defRPr sz="2133" b="1"/>
+            <a:lvl5pPr marL="2399934" indent="0">
+              <a:buNone/>
+              <a:defRPr sz="2100" b="1"/>
             </a:lvl5pPr>
-            <a:lvl6pPr marL="3047924" indent="0">
-              <a:buNone/>
-              <a:defRPr sz="2133" b="1"/>
+            <a:lvl6pPr marL="2999918" indent="0">
+              <a:buNone/>
+              <a:defRPr sz="2100" b="1"/>
             </a:lvl6pPr>
-            <a:lvl7pPr marL="3657509" indent="0">
-              <a:buNone/>
-              <a:defRPr sz="2133" b="1"/>
+            <a:lvl7pPr marL="3599901" indent="0">
+              <a:buNone/>
+              <a:defRPr sz="2100" b="1"/>
             </a:lvl7pPr>
-            <a:lvl8pPr marL="4267093" indent="0">
-              <a:buNone/>
-              <a:defRPr sz="2133" b="1"/>
+            <a:lvl8pPr marL="4199885" indent="0">
+              <a:buNone/>
+              <a:defRPr sz="2100" b="1"/>
             </a:lvl8pPr>
-            <a:lvl9pPr marL="4876678" indent="0">
-              <a:buNone/>
-              <a:defRPr sz="2133" b="1"/>
+            <a:lvl9pPr marL="4799868" indent="0">
+              <a:buNone/>
+              <a:defRPr sz="2100" b="1"/>
             </a:lvl9pPr>
           </a:lstStyle>
           <a:p>
@@ -1736,8 +1736,8 @@
         </p:nvSpPr>
         <p:spPr>
           <a:xfrm>
-            <a:off x="6172201" y="4740507"/>
-            <a:ext cx="5183188" cy="6972571"/>
+            <a:off x="6172201" y="3287331"/>
+            <a:ext cx="5183188" cy="4835169"/>
           </a:xfrm>
         </p:spPr>
         <p:txBody>
@@ -1830,7 +1830,7 @@
           <a:p>
             <a:fld id="{793083FE-F8B2-4577-9B92-6995EB3820F1}" type="datetimeFigureOut">
               <a:rPr kumimoji="1" lang="ja-JP" altLang="en-US" smtClean="0"/>
-              <a:t>2017/7/25</a:t>
+              <a:t>2017/11/16</a:t>
             </a:fld>
             <a:endParaRPr kumimoji="1" lang="ja-JP" altLang="en-US"/>
           </a:p>
@@ -1881,7 +1881,7 @@
     </p:spTree>
     <p:extLst>
       <p:ext uri="{BB962C8B-B14F-4D97-AF65-F5344CB8AC3E}">
-        <p14:creationId xmlns:p14="http://schemas.microsoft.com/office/powerpoint/2010/main" val="303870574"/>
+        <p14:creationId xmlns:p14="http://schemas.microsoft.com/office/powerpoint/2010/main" val="1071087649"/>
       </p:ext>
     </p:extLst>
   </p:cSld>
@@ -1948,7 +1948,7 @@
           <a:p>
             <a:fld id="{793083FE-F8B2-4577-9B92-6995EB3820F1}" type="datetimeFigureOut">
               <a:rPr kumimoji="1" lang="ja-JP" altLang="en-US" smtClean="0"/>
-              <a:t>2017/7/25</a:t>
+              <a:t>2017/11/16</a:t>
             </a:fld>
             <a:endParaRPr kumimoji="1" lang="ja-JP" altLang="en-US"/>
           </a:p>
@@ -1999,7 +1999,7 @@
     </p:spTree>
     <p:extLst>
       <p:ext uri="{BB962C8B-B14F-4D97-AF65-F5344CB8AC3E}">
-        <p14:creationId xmlns:p14="http://schemas.microsoft.com/office/powerpoint/2010/main" val="2087467674"/>
+        <p14:creationId xmlns:p14="http://schemas.microsoft.com/office/powerpoint/2010/main" val="3071371427"/>
       </p:ext>
     </p:extLst>
   </p:cSld>
@@ -2043,7 +2043,7 @@
           <a:p>
             <a:fld id="{793083FE-F8B2-4577-9B92-6995EB3820F1}" type="datetimeFigureOut">
               <a:rPr kumimoji="1" lang="ja-JP" altLang="en-US" smtClean="0"/>
-              <a:t>2017/7/25</a:t>
+              <a:t>2017/11/16</a:t>
             </a:fld>
             <a:endParaRPr kumimoji="1" lang="ja-JP" altLang="en-US"/>
           </a:p>
@@ -2094,7 +2094,7 @@
     </p:spTree>
     <p:extLst>
       <p:ext uri="{BB962C8B-B14F-4D97-AF65-F5344CB8AC3E}">
-        <p14:creationId xmlns:p14="http://schemas.microsoft.com/office/powerpoint/2010/main" val="2362595058"/>
+        <p14:creationId xmlns:p14="http://schemas.microsoft.com/office/powerpoint/2010/main" val="2715975396"/>
       </p:ext>
     </p:extLst>
   </p:cSld>
@@ -2133,15 +2133,15 @@
         </p:nvSpPr>
         <p:spPr>
           <a:xfrm>
-            <a:off x="839788" y="865188"/>
-            <a:ext cx="3932237" cy="3028156"/>
+            <a:off x="839788" y="599969"/>
+            <a:ext cx="3932237" cy="2099892"/>
           </a:xfrm>
         </p:spPr>
         <p:txBody>
           <a:bodyPr anchor="b"/>
           <a:lstStyle>
             <a:lvl1pPr>
-              <a:defRPr sz="4267"/>
+              <a:defRPr sz="4199"/>
             </a:lvl1pPr>
           </a:lstStyle>
           <a:p>
@@ -2165,39 +2165,39 @@
         </p:nvSpPr>
         <p:spPr>
           <a:xfrm>
-            <a:off x="5183188" y="1868567"/>
-            <a:ext cx="6172200" cy="9222659"/>
+            <a:off x="5183188" y="1295769"/>
+            <a:ext cx="6172200" cy="6395505"/>
           </a:xfrm>
         </p:spPr>
         <p:txBody>
           <a:bodyPr/>
           <a:lstStyle>
             <a:lvl1pPr>
-              <a:defRPr sz="4267"/>
+              <a:defRPr sz="4199"/>
             </a:lvl1pPr>
             <a:lvl2pPr>
-              <a:defRPr sz="3733"/>
+              <a:defRPr sz="3674"/>
             </a:lvl2pPr>
             <a:lvl3pPr>
-              <a:defRPr sz="3200"/>
+              <a:defRPr sz="3150"/>
             </a:lvl3pPr>
             <a:lvl4pPr>
-              <a:defRPr sz="2667"/>
+              <a:defRPr sz="2625"/>
             </a:lvl4pPr>
             <a:lvl5pPr>
-              <a:defRPr sz="2667"/>
+              <a:defRPr sz="2625"/>
             </a:lvl5pPr>
             <a:lvl6pPr>
-              <a:defRPr sz="2667"/>
+              <a:defRPr sz="2625"/>
             </a:lvl6pPr>
             <a:lvl7pPr>
-              <a:defRPr sz="2667"/>
+              <a:defRPr sz="2625"/>
             </a:lvl7pPr>
             <a:lvl8pPr>
-              <a:defRPr sz="2667"/>
+              <a:defRPr sz="2625"/>
             </a:lvl8pPr>
             <a:lvl9pPr>
-              <a:defRPr sz="2667"/>
+              <a:defRPr sz="2625"/>
             </a:lvl9pPr>
           </a:lstStyle>
           <a:p>
@@ -2282,8 +2282,8 @@
         </p:nvSpPr>
         <p:spPr>
           <a:xfrm>
-            <a:off x="839788" y="3893344"/>
-            <a:ext cx="3932237" cy="7212901"/>
+            <a:off x="839788" y="2699862"/>
+            <a:ext cx="3932237" cy="5001827"/>
           </a:xfrm>
         </p:spPr>
         <p:txBody>
@@ -2291,39 +2291,39 @@
           <a:lstStyle>
             <a:lvl1pPr marL="0" indent="0">
               <a:buNone/>
-              <a:defRPr sz="2133"/>
+              <a:defRPr sz="2100"/>
             </a:lvl1pPr>
-            <a:lvl2pPr marL="609585" indent="0">
-              <a:buNone/>
-              <a:defRPr sz="1867"/>
+            <a:lvl2pPr marL="599984" indent="0">
+              <a:buNone/>
+              <a:defRPr sz="1837"/>
             </a:lvl2pPr>
-            <a:lvl3pPr marL="1219170" indent="0">
-              <a:buNone/>
-              <a:defRPr sz="1600"/>
+            <a:lvl3pPr marL="1199967" indent="0">
+              <a:buNone/>
+              <a:defRPr sz="1575"/>
             </a:lvl3pPr>
-            <a:lvl4pPr marL="1828754" indent="0">
-              <a:buNone/>
-              <a:defRPr sz="1333"/>
+            <a:lvl4pPr marL="1799951" indent="0">
+              <a:buNone/>
+              <a:defRPr sz="1312"/>
             </a:lvl4pPr>
-            <a:lvl5pPr marL="2438339" indent="0">
-              <a:buNone/>
-              <a:defRPr sz="1333"/>
+            <a:lvl5pPr marL="2399934" indent="0">
+              <a:buNone/>
+              <a:defRPr sz="1312"/>
             </a:lvl5pPr>
-            <a:lvl6pPr marL="3047924" indent="0">
-              <a:buNone/>
-              <a:defRPr sz="1333"/>
+            <a:lvl6pPr marL="2999918" indent="0">
+              <a:buNone/>
+              <a:defRPr sz="1312"/>
             </a:lvl6pPr>
-            <a:lvl7pPr marL="3657509" indent="0">
-              <a:buNone/>
-              <a:defRPr sz="1333"/>
+            <a:lvl7pPr marL="3599901" indent="0">
+              <a:buNone/>
+              <a:defRPr sz="1312"/>
             </a:lvl7pPr>
-            <a:lvl8pPr marL="4267093" indent="0">
-              <a:buNone/>
-              <a:defRPr sz="1333"/>
+            <a:lvl8pPr marL="4199885" indent="0">
+              <a:buNone/>
+              <a:defRPr sz="1312"/>
             </a:lvl8pPr>
-            <a:lvl9pPr marL="4876678" indent="0">
-              <a:buNone/>
-              <a:defRPr sz="1333"/>
+            <a:lvl9pPr marL="4799868" indent="0">
+              <a:buNone/>
+              <a:defRPr sz="1312"/>
             </a:lvl9pPr>
           </a:lstStyle>
           <a:p>
@@ -2352,7 +2352,7 @@
           <a:p>
             <a:fld id="{793083FE-F8B2-4577-9B92-6995EB3820F1}" type="datetimeFigureOut">
               <a:rPr kumimoji="1" lang="ja-JP" altLang="en-US" smtClean="0"/>
-              <a:t>2017/7/25</a:t>
+              <a:t>2017/11/16</a:t>
             </a:fld>
             <a:endParaRPr kumimoji="1" lang="ja-JP" altLang="en-US"/>
           </a:p>
@@ -2403,7 +2403,7 @@
     </p:spTree>
     <p:extLst>
       <p:ext uri="{BB962C8B-B14F-4D97-AF65-F5344CB8AC3E}">
-        <p14:creationId xmlns:p14="http://schemas.microsoft.com/office/powerpoint/2010/main" val="2659985514"/>
+        <p14:creationId xmlns:p14="http://schemas.microsoft.com/office/powerpoint/2010/main" val="1205987160"/>
       </p:ext>
     </p:extLst>
   </p:cSld>
@@ -2442,15 +2442,15 @@
         </p:nvSpPr>
         <p:spPr>
           <a:xfrm>
-            <a:off x="839788" y="865188"/>
-            <a:ext cx="3932237" cy="3028156"/>
+            <a:off x="839788" y="599969"/>
+            <a:ext cx="3932237" cy="2099892"/>
           </a:xfrm>
         </p:spPr>
         <p:txBody>
           <a:bodyPr anchor="b"/>
           <a:lstStyle>
             <a:lvl1pPr>
-              <a:defRPr sz="4267"/>
+              <a:defRPr sz="4199"/>
             </a:lvl1pPr>
           </a:lstStyle>
           <a:p>
@@ -2474,8 +2474,8 @@
         </p:nvSpPr>
         <p:spPr>
           <a:xfrm>
-            <a:off x="5183188" y="1868567"/>
-            <a:ext cx="6172200" cy="9222659"/>
+            <a:off x="5183188" y="1295769"/>
+            <a:ext cx="6172200" cy="6395505"/>
           </a:xfrm>
         </p:spPr>
         <p:txBody>
@@ -2483,39 +2483,39 @@
           <a:lstStyle>
             <a:lvl1pPr marL="0" indent="0">
               <a:buNone/>
-              <a:defRPr sz="4267"/>
+              <a:defRPr sz="4199"/>
             </a:lvl1pPr>
-            <a:lvl2pPr marL="609585" indent="0">
-              <a:buNone/>
-              <a:defRPr sz="3733"/>
+            <a:lvl2pPr marL="599984" indent="0">
+              <a:buNone/>
+              <a:defRPr sz="3674"/>
             </a:lvl2pPr>
-            <a:lvl3pPr marL="1219170" indent="0">
-              <a:buNone/>
-              <a:defRPr sz="3200"/>
+            <a:lvl3pPr marL="1199967" indent="0">
+              <a:buNone/>
+              <a:defRPr sz="3150"/>
             </a:lvl3pPr>
-            <a:lvl4pPr marL="1828754" indent="0">
-              <a:buNone/>
-              <a:defRPr sz="2667"/>
+            <a:lvl4pPr marL="1799951" indent="0">
+              <a:buNone/>
+              <a:defRPr sz="2625"/>
             </a:lvl4pPr>
-            <a:lvl5pPr marL="2438339" indent="0">
-              <a:buNone/>
-              <a:defRPr sz="2667"/>
+            <a:lvl5pPr marL="2399934" indent="0">
+              <a:buNone/>
+              <a:defRPr sz="2625"/>
             </a:lvl5pPr>
-            <a:lvl6pPr marL="3047924" indent="0">
-              <a:buNone/>
-              <a:defRPr sz="2667"/>
+            <a:lvl6pPr marL="2999918" indent="0">
+              <a:buNone/>
+              <a:defRPr sz="2625"/>
             </a:lvl6pPr>
-            <a:lvl7pPr marL="3657509" indent="0">
-              <a:buNone/>
-              <a:defRPr sz="2667"/>
+            <a:lvl7pPr marL="3599901" indent="0">
+              <a:buNone/>
+              <a:defRPr sz="2625"/>
             </a:lvl7pPr>
-            <a:lvl8pPr marL="4267093" indent="0">
-              <a:buNone/>
-              <a:defRPr sz="2667"/>
+            <a:lvl8pPr marL="4199885" indent="0">
+              <a:buNone/>
+              <a:defRPr sz="2625"/>
             </a:lvl8pPr>
-            <a:lvl9pPr marL="4876678" indent="0">
-              <a:buNone/>
-              <a:defRPr sz="2667"/>
+            <a:lvl9pPr marL="4799868" indent="0">
+              <a:buNone/>
+              <a:defRPr sz="2625"/>
             </a:lvl9pPr>
           </a:lstStyle>
           <a:p>
@@ -2539,8 +2539,8 @@
         </p:nvSpPr>
         <p:spPr>
           <a:xfrm>
-            <a:off x="839788" y="3893344"/>
-            <a:ext cx="3932237" cy="7212901"/>
+            <a:off x="839788" y="2699862"/>
+            <a:ext cx="3932237" cy="5001827"/>
           </a:xfrm>
         </p:spPr>
         <p:txBody>
@@ -2548,39 +2548,39 @@
           <a:lstStyle>
             <a:lvl1pPr marL="0" indent="0">
               <a:buNone/>
-              <a:defRPr sz="2133"/>
+              <a:defRPr sz="2100"/>
             </a:lvl1pPr>
-            <a:lvl2pPr marL="609585" indent="0">
-              <a:buNone/>
-              <a:defRPr sz="1867"/>
+            <a:lvl2pPr marL="599984" indent="0">
+              <a:buNone/>
+              <a:defRPr sz="1837"/>
             </a:lvl2pPr>
-            <a:lvl3pPr marL="1219170" indent="0">
-              <a:buNone/>
-              <a:defRPr sz="1600"/>
+            <a:lvl3pPr marL="1199967" indent="0">
+              <a:buNone/>
+              <a:defRPr sz="1575"/>
             </a:lvl3pPr>
-            <a:lvl4pPr marL="1828754" indent="0">
-              <a:buNone/>
-              <a:defRPr sz="1333"/>
+            <a:lvl4pPr marL="1799951" indent="0">
+              <a:buNone/>
+              <a:defRPr sz="1312"/>
             </a:lvl4pPr>
-            <a:lvl5pPr marL="2438339" indent="0">
-              <a:buNone/>
-              <a:defRPr sz="1333"/>
+            <a:lvl5pPr marL="2399934" indent="0">
+              <a:buNone/>
+              <a:defRPr sz="1312"/>
             </a:lvl5pPr>
-            <a:lvl6pPr marL="3047924" indent="0">
-              <a:buNone/>
-              <a:defRPr sz="1333"/>
+            <a:lvl6pPr marL="2999918" indent="0">
+              <a:buNone/>
+              <a:defRPr sz="1312"/>
             </a:lvl6pPr>
-            <a:lvl7pPr marL="3657509" indent="0">
-              <a:buNone/>
-              <a:defRPr sz="1333"/>
+            <a:lvl7pPr marL="3599901" indent="0">
+              <a:buNone/>
+              <a:defRPr sz="1312"/>
             </a:lvl7pPr>
-            <a:lvl8pPr marL="4267093" indent="0">
-              <a:buNone/>
-              <a:defRPr sz="1333"/>
+            <a:lvl8pPr marL="4199885" indent="0">
+              <a:buNone/>
+              <a:defRPr sz="1312"/>
             </a:lvl8pPr>
-            <a:lvl9pPr marL="4876678" indent="0">
-              <a:buNone/>
-              <a:defRPr sz="1333"/>
+            <a:lvl9pPr marL="4799868" indent="0">
+              <a:buNone/>
+              <a:defRPr sz="1312"/>
             </a:lvl9pPr>
           </a:lstStyle>
           <a:p>
@@ -2609,7 +2609,7 @@
           <a:p>
             <a:fld id="{793083FE-F8B2-4577-9B92-6995EB3820F1}" type="datetimeFigureOut">
               <a:rPr kumimoji="1" lang="ja-JP" altLang="en-US" smtClean="0"/>
-              <a:t>2017/7/25</a:t>
+              <a:t>2017/11/16</a:t>
             </a:fld>
             <a:endParaRPr kumimoji="1" lang="ja-JP" altLang="en-US"/>
           </a:p>
@@ -2660,7 +2660,7 @@
     </p:spTree>
     <p:extLst>
       <p:ext uri="{BB962C8B-B14F-4D97-AF65-F5344CB8AC3E}">
-        <p14:creationId xmlns:p14="http://schemas.microsoft.com/office/powerpoint/2010/main" val="2234199451"/>
+        <p14:creationId xmlns:p14="http://schemas.microsoft.com/office/powerpoint/2010/main" val="1330217192"/>
       </p:ext>
     </p:extLst>
   </p:cSld>
@@ -2704,8 +2704,8 @@
         </p:nvSpPr>
         <p:spPr>
           <a:xfrm>
-            <a:off x="838200" y="690951"/>
-            <a:ext cx="10515600" cy="2508444"/>
+            <a:off x="838200" y="479144"/>
+            <a:ext cx="10515600" cy="1739495"/>
           </a:xfrm>
           <a:prstGeom prst="rect">
             <a:avLst/>
@@ -2737,8 +2737,8 @@
         </p:nvSpPr>
         <p:spPr>
           <a:xfrm>
-            <a:off x="838200" y="3454742"/>
-            <a:ext cx="10515600" cy="8234303"/>
+            <a:off x="838200" y="2395710"/>
+            <a:ext cx="10515600" cy="5710124"/>
           </a:xfrm>
           <a:prstGeom prst="rect">
             <a:avLst/>
@@ -2831,8 +2831,8 @@
         </p:nvSpPr>
         <p:spPr>
           <a:xfrm>
-            <a:off x="838200" y="12028513"/>
-            <a:ext cx="2743200" cy="690948"/>
+            <a:off x="838200" y="8341240"/>
+            <a:ext cx="2743200" cy="479142"/>
           </a:xfrm>
           <a:prstGeom prst="rect">
             <a:avLst/>
@@ -2842,7 +2842,7 @@
           <a:bodyPr vert="horz" lIns="91440" tIns="45720" rIns="91440" bIns="45720" rtlCol="0" anchor="ctr"/>
           <a:lstStyle>
             <a:lvl1pPr algn="l">
-              <a:defRPr sz="1600">
+              <a:defRPr sz="1575">
                 <a:solidFill>
                   <a:schemeClr val="tx1">
                     <a:tint val="75000"/>
@@ -2854,7 +2854,7 @@
           <a:p>
             <a:fld id="{793083FE-F8B2-4577-9B92-6995EB3820F1}" type="datetimeFigureOut">
               <a:rPr kumimoji="1" lang="ja-JP" altLang="en-US" smtClean="0"/>
-              <a:t>2017/7/25</a:t>
+              <a:t>2017/11/16</a:t>
             </a:fld>
             <a:endParaRPr kumimoji="1" lang="ja-JP" altLang="en-US"/>
           </a:p>
@@ -2872,8 +2872,8 @@
         </p:nvSpPr>
         <p:spPr>
           <a:xfrm>
-            <a:off x="4038600" y="12028513"/>
-            <a:ext cx="4114800" cy="690948"/>
+            <a:off x="4038600" y="8341240"/>
+            <a:ext cx="4114800" cy="479142"/>
           </a:xfrm>
           <a:prstGeom prst="rect">
             <a:avLst/>
@@ -2883,7 +2883,7 @@
           <a:bodyPr vert="horz" lIns="91440" tIns="45720" rIns="91440" bIns="45720" rtlCol="0" anchor="ctr"/>
           <a:lstStyle>
             <a:lvl1pPr algn="ctr">
-              <a:defRPr sz="1600">
+              <a:defRPr sz="1575">
                 <a:solidFill>
                   <a:schemeClr val="tx1">
                     <a:tint val="75000"/>
@@ -2909,8 +2909,8 @@
         </p:nvSpPr>
         <p:spPr>
           <a:xfrm>
-            <a:off x="8610600" y="12028513"/>
-            <a:ext cx="2743200" cy="690948"/>
+            <a:off x="8610600" y="8341240"/>
+            <a:ext cx="2743200" cy="479142"/>
           </a:xfrm>
           <a:prstGeom prst="rect">
             <a:avLst/>
@@ -2920,7 +2920,7 @@
           <a:bodyPr vert="horz" lIns="91440" tIns="45720" rIns="91440" bIns="45720" rtlCol="0" anchor="ctr"/>
           <a:lstStyle>
             <a:lvl1pPr algn="r">
-              <a:defRPr sz="1600">
+              <a:defRPr sz="1575">
                 <a:solidFill>
                   <a:schemeClr val="tx1">
                     <a:tint val="75000"/>
@@ -2941,27 +2941,27 @@
     </p:spTree>
     <p:extLst>
       <p:ext uri="{BB962C8B-B14F-4D97-AF65-F5344CB8AC3E}">
-        <p14:creationId xmlns:p14="http://schemas.microsoft.com/office/powerpoint/2010/main" val="2574054115"/>
+        <p14:creationId xmlns:p14="http://schemas.microsoft.com/office/powerpoint/2010/main" val="2327555094"/>
       </p:ext>
     </p:extLst>
   </p:cSld>
   <p:clrMap bg1="lt1" tx1="dk1" bg2="lt2" tx2="dk2" accent1="accent1" accent2="accent2" accent3="accent3" accent4="accent4" accent5="accent5" accent6="accent6" hlink="hlink" folHlink="folHlink"/>
   <p:sldLayoutIdLst>
-    <p:sldLayoutId id="2147483673" r:id="rId1"/>
-    <p:sldLayoutId id="2147483674" r:id="rId2"/>
-    <p:sldLayoutId id="2147483675" r:id="rId3"/>
-    <p:sldLayoutId id="2147483676" r:id="rId4"/>
-    <p:sldLayoutId id="2147483677" r:id="rId5"/>
-    <p:sldLayoutId id="2147483678" r:id="rId6"/>
-    <p:sldLayoutId id="2147483679" r:id="rId7"/>
-    <p:sldLayoutId id="2147483680" r:id="rId8"/>
-    <p:sldLayoutId id="2147483681" r:id="rId9"/>
-    <p:sldLayoutId id="2147483682" r:id="rId10"/>
-    <p:sldLayoutId id="2147483683" r:id="rId11"/>
+    <p:sldLayoutId id="2147483685" r:id="rId1"/>
+    <p:sldLayoutId id="2147483686" r:id="rId2"/>
+    <p:sldLayoutId id="2147483687" r:id="rId3"/>
+    <p:sldLayoutId id="2147483688" r:id="rId4"/>
+    <p:sldLayoutId id="2147483689" r:id="rId5"/>
+    <p:sldLayoutId id="2147483690" r:id="rId6"/>
+    <p:sldLayoutId id="2147483691" r:id="rId7"/>
+    <p:sldLayoutId id="2147483692" r:id="rId8"/>
+    <p:sldLayoutId id="2147483693" r:id="rId9"/>
+    <p:sldLayoutId id="2147483694" r:id="rId10"/>
+    <p:sldLayoutId id="2147483695" r:id="rId11"/>
   </p:sldLayoutIdLst>
   <p:txStyles>
     <p:titleStyle>
-      <a:lvl1pPr algn="l" defTabSz="1219170" rtl="0" eaLnBrk="1" latinLnBrk="0" hangingPunct="1">
+      <a:lvl1pPr algn="l" defTabSz="1199967" rtl="0" eaLnBrk="1" latinLnBrk="0" hangingPunct="1">
         <a:lnSpc>
           <a:spcPct val="90000"/>
         </a:lnSpc>
@@ -2969,7 +2969,7 @@
           <a:spcPct val="0"/>
         </a:spcBef>
         <a:buNone/>
-        <a:defRPr kumimoji="1" sz="5867" kern="1200">
+        <a:defRPr kumimoji="1" sz="5774" kern="1200">
           <a:solidFill>
             <a:schemeClr val="tx1"/>
           </a:solidFill>
@@ -2980,16 +2980,16 @@
       </a:lvl1pPr>
     </p:titleStyle>
     <p:bodyStyle>
-      <a:lvl1pPr marL="304792" indent="-304792" algn="l" defTabSz="1219170" rtl="0" eaLnBrk="1" latinLnBrk="0" hangingPunct="1">
+      <a:lvl1pPr marL="299992" indent="-299992" algn="l" defTabSz="1199967" rtl="0" eaLnBrk="1" latinLnBrk="0" hangingPunct="1">
         <a:lnSpc>
           <a:spcPct val="90000"/>
         </a:lnSpc>
         <a:spcBef>
-          <a:spcPts val="1333"/>
+          <a:spcPts val="1312"/>
         </a:spcBef>
         <a:buFont typeface="Arial" panose="020B0604020202020204" pitchFamily="34" charset="0"/>
         <a:buChar char="•"/>
-        <a:defRPr kumimoji="1" sz="3733" kern="1200">
+        <a:defRPr kumimoji="1" sz="3674" kern="1200">
           <a:solidFill>
             <a:schemeClr val="tx1"/>
           </a:solidFill>
@@ -2998,16 +2998,16 @@
           <a:cs typeface="+mn-cs"/>
         </a:defRPr>
       </a:lvl1pPr>
-      <a:lvl2pPr marL="914377" indent="-304792" algn="l" defTabSz="1219170" rtl="0" eaLnBrk="1" latinLnBrk="0" hangingPunct="1">
+      <a:lvl2pPr marL="899975" indent="-299992" algn="l" defTabSz="1199967" rtl="0" eaLnBrk="1" latinLnBrk="0" hangingPunct="1">
         <a:lnSpc>
           <a:spcPct val="90000"/>
         </a:lnSpc>
         <a:spcBef>
-          <a:spcPts val="667"/>
+          <a:spcPts val="656"/>
         </a:spcBef>
         <a:buFont typeface="Arial" panose="020B0604020202020204" pitchFamily="34" charset="0"/>
         <a:buChar char="•"/>
-        <a:defRPr kumimoji="1" sz="3200" kern="1200">
+        <a:defRPr kumimoji="1" sz="3150" kern="1200">
           <a:solidFill>
             <a:schemeClr val="tx1"/>
           </a:solidFill>
@@ -3016,16 +3016,16 @@
           <a:cs typeface="+mn-cs"/>
         </a:defRPr>
       </a:lvl2pPr>
-      <a:lvl3pPr marL="1523962" indent="-304792" algn="l" defTabSz="1219170" rtl="0" eaLnBrk="1" latinLnBrk="0" hangingPunct="1">
+      <a:lvl3pPr marL="1499959" indent="-299992" algn="l" defTabSz="1199967" rtl="0" eaLnBrk="1" latinLnBrk="0" hangingPunct="1">
         <a:lnSpc>
           <a:spcPct val="90000"/>
         </a:lnSpc>
         <a:spcBef>
-          <a:spcPts val="667"/>
+          <a:spcPts val="656"/>
         </a:spcBef>
         <a:buFont typeface="Arial" panose="020B0604020202020204" pitchFamily="34" charset="0"/>
         <a:buChar char="•"/>
-        <a:defRPr kumimoji="1" sz="2667" kern="1200">
+        <a:defRPr kumimoji="1" sz="2625" kern="1200">
           <a:solidFill>
             <a:schemeClr val="tx1"/>
           </a:solidFill>
@@ -3034,16 +3034,16 @@
           <a:cs typeface="+mn-cs"/>
         </a:defRPr>
       </a:lvl3pPr>
-      <a:lvl4pPr marL="2133547" indent="-304792" algn="l" defTabSz="1219170" rtl="0" eaLnBrk="1" latinLnBrk="0" hangingPunct="1">
+      <a:lvl4pPr marL="2099942" indent="-299992" algn="l" defTabSz="1199967" rtl="0" eaLnBrk="1" latinLnBrk="0" hangingPunct="1">
         <a:lnSpc>
           <a:spcPct val="90000"/>
         </a:lnSpc>
         <a:spcBef>
-          <a:spcPts val="667"/>
+          <a:spcPts val="656"/>
         </a:spcBef>
         <a:buFont typeface="Arial" panose="020B0604020202020204" pitchFamily="34" charset="0"/>
         <a:buChar char="•"/>
-        <a:defRPr kumimoji="1" sz="2400" kern="1200">
+        <a:defRPr kumimoji="1" sz="2362" kern="1200">
           <a:solidFill>
             <a:schemeClr val="tx1"/>
           </a:solidFill>
@@ -3052,16 +3052,16 @@
           <a:cs typeface="+mn-cs"/>
         </a:defRPr>
       </a:lvl4pPr>
-      <a:lvl5pPr marL="2743131" indent="-304792" algn="l" defTabSz="1219170" rtl="0" eaLnBrk="1" latinLnBrk="0" hangingPunct="1">
+      <a:lvl5pPr marL="2699926" indent="-299992" algn="l" defTabSz="1199967" rtl="0" eaLnBrk="1" latinLnBrk="0" hangingPunct="1">
         <a:lnSpc>
           <a:spcPct val="90000"/>
         </a:lnSpc>
         <a:spcBef>
-          <a:spcPts val="667"/>
+          <a:spcPts val="656"/>
         </a:spcBef>
         <a:buFont typeface="Arial" panose="020B0604020202020204" pitchFamily="34" charset="0"/>
         <a:buChar char="•"/>
-        <a:defRPr kumimoji="1" sz="2400" kern="1200">
+        <a:defRPr kumimoji="1" sz="2362" kern="1200">
           <a:solidFill>
             <a:schemeClr val="tx1"/>
           </a:solidFill>
@@ -3070,16 +3070,16 @@
           <a:cs typeface="+mn-cs"/>
         </a:defRPr>
       </a:lvl5pPr>
-      <a:lvl6pPr marL="3352716" indent="-304792" algn="l" defTabSz="1219170" rtl="0" eaLnBrk="1" latinLnBrk="0" hangingPunct="1">
+      <a:lvl6pPr marL="3299910" indent="-299992" algn="l" defTabSz="1199967" rtl="0" eaLnBrk="1" latinLnBrk="0" hangingPunct="1">
         <a:lnSpc>
           <a:spcPct val="90000"/>
         </a:lnSpc>
         <a:spcBef>
-          <a:spcPts val="667"/>
+          <a:spcPts val="656"/>
         </a:spcBef>
         <a:buFont typeface="Arial" panose="020B0604020202020204" pitchFamily="34" charset="0"/>
         <a:buChar char="•"/>
-        <a:defRPr kumimoji="1" sz="2400" kern="1200">
+        <a:defRPr kumimoji="1" sz="2362" kern="1200">
           <a:solidFill>
             <a:schemeClr val="tx1"/>
           </a:solidFill>
@@ -3088,16 +3088,16 @@
           <a:cs typeface="+mn-cs"/>
         </a:defRPr>
       </a:lvl6pPr>
-      <a:lvl7pPr marL="3962301" indent="-304792" algn="l" defTabSz="1219170" rtl="0" eaLnBrk="1" latinLnBrk="0" hangingPunct="1">
+      <a:lvl7pPr marL="3899893" indent="-299992" algn="l" defTabSz="1199967" rtl="0" eaLnBrk="1" latinLnBrk="0" hangingPunct="1">
         <a:lnSpc>
           <a:spcPct val="90000"/>
         </a:lnSpc>
         <a:spcBef>
-          <a:spcPts val="667"/>
+          <a:spcPts val="656"/>
         </a:spcBef>
         <a:buFont typeface="Arial" panose="020B0604020202020204" pitchFamily="34" charset="0"/>
         <a:buChar char="•"/>
-        <a:defRPr kumimoji="1" sz="2400" kern="1200">
+        <a:defRPr kumimoji="1" sz="2362" kern="1200">
           <a:solidFill>
             <a:schemeClr val="tx1"/>
           </a:solidFill>
@@ -3106,16 +3106,16 @@
           <a:cs typeface="+mn-cs"/>
         </a:defRPr>
       </a:lvl7pPr>
-      <a:lvl8pPr marL="4571886" indent="-304792" algn="l" defTabSz="1219170" rtl="0" eaLnBrk="1" latinLnBrk="0" hangingPunct="1">
+      <a:lvl8pPr marL="4499877" indent="-299992" algn="l" defTabSz="1199967" rtl="0" eaLnBrk="1" latinLnBrk="0" hangingPunct="1">
         <a:lnSpc>
           <a:spcPct val="90000"/>
         </a:lnSpc>
         <a:spcBef>
-          <a:spcPts val="667"/>
+          <a:spcPts val="656"/>
         </a:spcBef>
         <a:buFont typeface="Arial" panose="020B0604020202020204" pitchFamily="34" charset="0"/>
         <a:buChar char="•"/>
-        <a:defRPr kumimoji="1" sz="2400" kern="1200">
+        <a:defRPr kumimoji="1" sz="2362" kern="1200">
           <a:solidFill>
             <a:schemeClr val="tx1"/>
           </a:solidFill>
@@ -3124,16 +3124,16 @@
           <a:cs typeface="+mn-cs"/>
         </a:defRPr>
       </a:lvl8pPr>
-      <a:lvl9pPr marL="5181470" indent="-304792" algn="l" defTabSz="1219170" rtl="0" eaLnBrk="1" latinLnBrk="0" hangingPunct="1">
+      <a:lvl9pPr marL="5099860" indent="-299992" algn="l" defTabSz="1199967" rtl="0" eaLnBrk="1" latinLnBrk="0" hangingPunct="1">
         <a:lnSpc>
           <a:spcPct val="90000"/>
         </a:lnSpc>
         <a:spcBef>
-          <a:spcPts val="667"/>
+          <a:spcPts val="656"/>
         </a:spcBef>
         <a:buFont typeface="Arial" panose="020B0604020202020204" pitchFamily="34" charset="0"/>
         <a:buChar char="•"/>
-        <a:defRPr kumimoji="1" sz="2400" kern="1200">
+        <a:defRPr kumimoji="1" sz="2362" kern="1200">
           <a:solidFill>
             <a:schemeClr val="tx1"/>
           </a:solidFill>
@@ -3147,8 +3147,8 @@
       <a:defPPr>
         <a:defRPr lang="en-US"/>
       </a:defPPr>
-      <a:lvl1pPr marL="0" algn="l" defTabSz="1219170" rtl="0" eaLnBrk="1" latinLnBrk="0" hangingPunct="1">
-        <a:defRPr kumimoji="1" sz="2400" kern="1200">
+      <a:lvl1pPr marL="0" algn="l" defTabSz="1199967" rtl="0" eaLnBrk="1" latinLnBrk="0" hangingPunct="1">
+        <a:defRPr kumimoji="1" sz="2362" kern="1200">
           <a:solidFill>
             <a:schemeClr val="tx1"/>
           </a:solidFill>
@@ -3157,8 +3157,8 @@
           <a:cs typeface="+mn-cs"/>
         </a:defRPr>
       </a:lvl1pPr>
-      <a:lvl2pPr marL="609585" algn="l" defTabSz="1219170" rtl="0" eaLnBrk="1" latinLnBrk="0" hangingPunct="1">
-        <a:defRPr kumimoji="1" sz="2400" kern="1200">
+      <a:lvl2pPr marL="599984" algn="l" defTabSz="1199967" rtl="0" eaLnBrk="1" latinLnBrk="0" hangingPunct="1">
+        <a:defRPr kumimoji="1" sz="2362" kern="1200">
           <a:solidFill>
             <a:schemeClr val="tx1"/>
           </a:solidFill>
@@ -3167,8 +3167,8 @@
           <a:cs typeface="+mn-cs"/>
         </a:defRPr>
       </a:lvl2pPr>
-      <a:lvl3pPr marL="1219170" algn="l" defTabSz="1219170" rtl="0" eaLnBrk="1" latinLnBrk="0" hangingPunct="1">
-        <a:defRPr kumimoji="1" sz="2400" kern="1200">
+      <a:lvl3pPr marL="1199967" algn="l" defTabSz="1199967" rtl="0" eaLnBrk="1" latinLnBrk="0" hangingPunct="1">
+        <a:defRPr kumimoji="1" sz="2362" kern="1200">
           <a:solidFill>
             <a:schemeClr val="tx1"/>
           </a:solidFill>
@@ -3177,8 +3177,8 @@
           <a:cs typeface="+mn-cs"/>
         </a:defRPr>
       </a:lvl3pPr>
-      <a:lvl4pPr marL="1828754" algn="l" defTabSz="1219170" rtl="0" eaLnBrk="1" latinLnBrk="0" hangingPunct="1">
-        <a:defRPr kumimoji="1" sz="2400" kern="1200">
+      <a:lvl4pPr marL="1799951" algn="l" defTabSz="1199967" rtl="0" eaLnBrk="1" latinLnBrk="0" hangingPunct="1">
+        <a:defRPr kumimoji="1" sz="2362" kern="1200">
           <a:solidFill>
             <a:schemeClr val="tx1"/>
           </a:solidFill>
@@ -3187,8 +3187,8 @@
           <a:cs typeface="+mn-cs"/>
         </a:defRPr>
       </a:lvl4pPr>
-      <a:lvl5pPr marL="2438339" algn="l" defTabSz="1219170" rtl="0" eaLnBrk="1" latinLnBrk="0" hangingPunct="1">
-        <a:defRPr kumimoji="1" sz="2400" kern="1200">
+      <a:lvl5pPr marL="2399934" algn="l" defTabSz="1199967" rtl="0" eaLnBrk="1" latinLnBrk="0" hangingPunct="1">
+        <a:defRPr kumimoji="1" sz="2362" kern="1200">
           <a:solidFill>
             <a:schemeClr val="tx1"/>
           </a:solidFill>
@@ -3197,8 +3197,8 @@
           <a:cs typeface="+mn-cs"/>
         </a:defRPr>
       </a:lvl5pPr>
-      <a:lvl6pPr marL="3047924" algn="l" defTabSz="1219170" rtl="0" eaLnBrk="1" latinLnBrk="0" hangingPunct="1">
-        <a:defRPr kumimoji="1" sz="2400" kern="1200">
+      <a:lvl6pPr marL="2999918" algn="l" defTabSz="1199967" rtl="0" eaLnBrk="1" latinLnBrk="0" hangingPunct="1">
+        <a:defRPr kumimoji="1" sz="2362" kern="1200">
           <a:solidFill>
             <a:schemeClr val="tx1"/>
           </a:solidFill>
@@ -3207,8 +3207,8 @@
           <a:cs typeface="+mn-cs"/>
         </a:defRPr>
       </a:lvl6pPr>
-      <a:lvl7pPr marL="3657509" algn="l" defTabSz="1219170" rtl="0" eaLnBrk="1" latinLnBrk="0" hangingPunct="1">
-        <a:defRPr kumimoji="1" sz="2400" kern="1200">
+      <a:lvl7pPr marL="3599901" algn="l" defTabSz="1199967" rtl="0" eaLnBrk="1" latinLnBrk="0" hangingPunct="1">
+        <a:defRPr kumimoji="1" sz="2362" kern="1200">
           <a:solidFill>
             <a:schemeClr val="tx1"/>
           </a:solidFill>
@@ -3217,8 +3217,8 @@
           <a:cs typeface="+mn-cs"/>
         </a:defRPr>
       </a:lvl7pPr>
-      <a:lvl8pPr marL="4267093" algn="l" defTabSz="1219170" rtl="0" eaLnBrk="1" latinLnBrk="0" hangingPunct="1">
-        <a:defRPr kumimoji="1" sz="2400" kern="1200">
+      <a:lvl8pPr marL="4199885" algn="l" defTabSz="1199967" rtl="0" eaLnBrk="1" latinLnBrk="0" hangingPunct="1">
+        <a:defRPr kumimoji="1" sz="2362" kern="1200">
           <a:solidFill>
             <a:schemeClr val="tx1"/>
           </a:solidFill>
@@ -3227,8 +3227,8 @@
           <a:cs typeface="+mn-cs"/>
         </a:defRPr>
       </a:lvl8pPr>
-      <a:lvl9pPr marL="4876678" algn="l" defTabSz="1219170" rtl="0" eaLnBrk="1" latinLnBrk="0" hangingPunct="1">
-        <a:defRPr kumimoji="1" sz="2400" kern="1200">
+      <a:lvl9pPr marL="4799868" algn="l" defTabSz="1199967" rtl="0" eaLnBrk="1" latinLnBrk="0" hangingPunct="1">
+        <a:defRPr kumimoji="1" sz="2362" kern="1200">
           <a:solidFill>
             <a:schemeClr val="tx1"/>
           </a:solidFill>
@@ -3267,8 +3267,8 @@
         </p:nvSpPr>
         <p:spPr bwMode="auto">
           <a:xfrm>
-            <a:off x="4969546" y="4274208"/>
-            <a:ext cx="2573866" cy="1125498"/>
+            <a:off x="4969546" y="2707116"/>
+            <a:ext cx="2573866" cy="962189"/>
           </a:xfrm>
           <a:prstGeom prst="roundRect">
             <a:avLst/>
@@ -3348,14 +3348,6 @@
               </a:rPr>
               <a:t>Generator</a:t>
             </a:r>
-            <a:endParaRPr lang="en-US" altLang="ja-JP" sz="2800" dirty="0">
-              <a:solidFill>
-                <a:schemeClr val="tx1"/>
-              </a:solidFill>
-              <a:latin typeface="メイリオ" panose="020B0604030504040204" pitchFamily="50" charset="-128"/>
-              <a:ea typeface="メイリオ" panose="020B0604030504040204" pitchFamily="50" charset="-128"/>
-              <a:cs typeface="メイリオ" pitchFamily="50" charset="-128"/>
-            </a:endParaRPr>
           </a:p>
         </p:txBody>
       </p:sp>
@@ -3367,8 +3359,8 @@
         </p:nvSpPr>
         <p:spPr bwMode="auto">
           <a:xfrm>
-            <a:off x="9385005" y="8038067"/>
-            <a:ext cx="2573866" cy="1199736"/>
+            <a:off x="9418402" y="4770038"/>
+            <a:ext cx="2573866" cy="1025655"/>
           </a:xfrm>
           <a:prstGeom prst="roundRect">
             <a:avLst/>
@@ -3448,14 +3440,6 @@
               </a:rPr>
               <a:t>Configurator</a:t>
             </a:r>
-            <a:endParaRPr lang="en-US" altLang="ja-JP" sz="2800" dirty="0">
-              <a:solidFill>
-                <a:schemeClr val="tx1"/>
-              </a:solidFill>
-              <a:latin typeface="メイリオ" panose="020B0604030504040204" pitchFamily="50" charset="-128"/>
-              <a:ea typeface="メイリオ" panose="020B0604030504040204" pitchFamily="50" charset="-128"/>
-              <a:cs typeface="メイリオ" pitchFamily="50" charset="-128"/>
-            </a:endParaRPr>
           </a:p>
         </p:txBody>
       </p:sp>
@@ -3467,8 +3451,8 @@
         </p:nvSpPr>
         <p:spPr bwMode="auto">
           <a:xfrm>
-            <a:off x="4969546" y="9556289"/>
-            <a:ext cx="2573866" cy="1346054"/>
+            <a:off x="4943298" y="6038826"/>
+            <a:ext cx="2573866" cy="1150742"/>
           </a:xfrm>
           <a:prstGeom prst="roundRect">
             <a:avLst/>
@@ -3548,14 +3532,6 @@
               </a:rPr>
               <a:t>Linker</a:t>
             </a:r>
-            <a:endParaRPr lang="en-US" altLang="ja-JP" sz="2800" dirty="0">
-              <a:solidFill>
-                <a:schemeClr val="tx1"/>
-              </a:solidFill>
-              <a:latin typeface="メイリオ" panose="020B0604030504040204" pitchFamily="50" charset="-128"/>
-              <a:ea typeface="メイリオ" panose="020B0604030504040204" pitchFamily="50" charset="-128"/>
-              <a:cs typeface="メイリオ" pitchFamily="50" charset="-128"/>
-            </a:endParaRPr>
           </a:p>
         </p:txBody>
       </p:sp>
@@ -3567,8 +3543,8 @@
         </p:nvSpPr>
         <p:spPr bwMode="auto">
           <a:xfrm>
-            <a:off x="6895071" y="144982"/>
-            <a:ext cx="4407518" cy="997815"/>
+            <a:off x="7498575" y="73151"/>
+            <a:ext cx="4407518" cy="853033"/>
           </a:xfrm>
           <a:prstGeom prst="roundRect">
             <a:avLst/>
@@ -3624,14 +3600,6 @@
               </a:rPr>
               <a:t>Component Diagram</a:t>
             </a:r>
-            <a:endParaRPr lang="en-US" altLang="ja-JP" sz="2800" dirty="0">
-              <a:solidFill>
-                <a:schemeClr val="tx1"/>
-              </a:solidFill>
-              <a:latin typeface="メイリオ" panose="020B0604030504040204" pitchFamily="50" charset="-128"/>
-              <a:ea typeface="メイリオ" panose="020B0604030504040204" pitchFamily="50" charset="-128"/>
-              <a:cs typeface="メイリオ" pitchFamily="50" charset="-128"/>
-            </a:endParaRPr>
           </a:p>
         </p:txBody>
       </p:sp>
@@ -3643,8 +3611,8 @@
         </p:nvSpPr>
         <p:spPr bwMode="auto">
           <a:xfrm>
-            <a:off x="4049604" y="6715786"/>
-            <a:ext cx="4100049" cy="828997"/>
+            <a:off x="4133747" y="4101932"/>
+            <a:ext cx="4100049" cy="708710"/>
           </a:xfrm>
           <a:prstGeom prst="rect">
             <a:avLst/>
@@ -3700,14 +3668,6 @@
               </a:rPr>
               <a:t>Header (*.h)</a:t>
             </a:r>
-            <a:endParaRPr lang="en-US" altLang="ja-JP" sz="2800" dirty="0">
-              <a:solidFill>
-                <a:schemeClr val="tx1"/>
-              </a:solidFill>
-              <a:latin typeface="メイリオ" panose="020B0604030504040204" pitchFamily="50" charset="-128"/>
-              <a:ea typeface="メイリオ" panose="020B0604030504040204" pitchFamily="50" charset="-128"/>
-              <a:cs typeface="メイリオ" pitchFamily="50" charset="-128"/>
-            </a:endParaRPr>
           </a:p>
         </p:txBody>
       </p:sp>
@@ -3719,8 +3679,8 @@
         </p:nvSpPr>
         <p:spPr bwMode="auto">
           <a:xfrm>
-            <a:off x="4473146" y="7347709"/>
-            <a:ext cx="3951773" cy="828997"/>
+            <a:off x="4557289" y="4642163"/>
+            <a:ext cx="3951773" cy="708710"/>
           </a:xfrm>
           <a:prstGeom prst="rect">
             <a:avLst/>
@@ -3776,14 +3736,6 @@
               </a:rPr>
               <a:t>Interface Code (*.c)</a:t>
             </a:r>
-            <a:endParaRPr lang="en-US" altLang="ja-JP" sz="2800" dirty="0">
-              <a:solidFill>
-                <a:schemeClr val="tx1"/>
-              </a:solidFill>
-              <a:latin typeface="メイリオ" panose="020B0604030504040204" pitchFamily="50" charset="-128"/>
-              <a:ea typeface="メイリオ" panose="020B0604030504040204" pitchFamily="50" charset="-128"/>
-              <a:cs typeface="メイリオ" pitchFamily="50" charset="-128"/>
-            </a:endParaRPr>
           </a:p>
         </p:txBody>
       </p:sp>
@@ -3795,8 +3747,8 @@
         </p:nvSpPr>
         <p:spPr bwMode="auto">
           <a:xfrm>
-            <a:off x="373723" y="5977936"/>
-            <a:ext cx="2873886" cy="1218686"/>
+            <a:off x="219952" y="3573493"/>
+            <a:ext cx="2873886" cy="1041855"/>
           </a:xfrm>
           <a:prstGeom prst="rect">
             <a:avLst/>
@@ -3852,14 +3804,6 @@
               </a:rPr>
               <a:t>Template Code (*.c)</a:t>
             </a:r>
-            <a:endParaRPr lang="en-US" altLang="ja-JP" sz="2800" dirty="0">
-              <a:solidFill>
-                <a:schemeClr val="tx1"/>
-              </a:solidFill>
-              <a:latin typeface="メイリオ" panose="020B0604030504040204" pitchFamily="50" charset="-128"/>
-              <a:ea typeface="メイリオ" panose="020B0604030504040204" pitchFamily="50" charset="-128"/>
-              <a:cs typeface="メイリオ" pitchFamily="50" charset="-128"/>
-            </a:endParaRPr>
           </a:p>
         </p:txBody>
       </p:sp>
@@ -3871,8 +3815,8 @@
         </p:nvSpPr>
         <p:spPr bwMode="auto">
           <a:xfrm>
-            <a:off x="82692" y="9608857"/>
-            <a:ext cx="3868056" cy="1441770"/>
+            <a:off x="51155" y="6087632"/>
+            <a:ext cx="3868056" cy="1232570"/>
           </a:xfrm>
           <a:prstGeom prst="rect">
             <a:avLst/>
@@ -3974,8 +3918,8 @@
         </p:nvSpPr>
         <p:spPr bwMode="auto">
           <a:xfrm>
-            <a:off x="4969546" y="11813060"/>
-            <a:ext cx="2573866" cy="1041514"/>
+            <a:off x="4969544" y="7536111"/>
+            <a:ext cx="2573866" cy="1067458"/>
           </a:xfrm>
           <a:prstGeom prst="rect">
             <a:avLst/>
@@ -4066,8 +4010,8 @@
         </p:nvSpPr>
         <p:spPr bwMode="auto">
           <a:xfrm>
-            <a:off x="9385005" y="10175934"/>
-            <a:ext cx="2573866" cy="1477563"/>
+            <a:off x="9467883" y="6065084"/>
+            <a:ext cx="2573866" cy="1535476"/>
           </a:xfrm>
           <a:prstGeom prst="rect">
             <a:avLst/>
@@ -4182,8 +4126,8 @@
         </p:nvSpPr>
         <p:spPr bwMode="auto">
           <a:xfrm>
-            <a:off x="9385006" y="5915449"/>
-            <a:ext cx="2573866" cy="1184487"/>
+            <a:off x="9418402" y="3525220"/>
+            <a:ext cx="2573866" cy="1012619"/>
           </a:xfrm>
           <a:prstGeom prst="rect">
             <a:avLst/>
@@ -4296,10 +4240,10 @@
         </p:nvGrpSpPr>
         <p:grpSpPr>
           <a:xfrm>
-            <a:off x="1468480" y="1698652"/>
-            <a:ext cx="9255040" cy="1272663"/>
-            <a:chOff x="289747" y="1120341"/>
-            <a:chExt cx="9255040" cy="1272663"/>
+            <a:off x="499216" y="1090488"/>
+            <a:ext cx="11339872" cy="1088000"/>
+            <a:chOff x="-679517" y="1120341"/>
+            <a:chExt cx="11339872" cy="1272663"/>
           </a:xfrm>
         </p:grpSpPr>
         <p:sp>
@@ -4310,7 +4254,7 @@
           </p:nvSpPr>
           <p:spPr bwMode="auto">
             <a:xfrm>
-              <a:off x="289747" y="1121475"/>
+              <a:off x="-679517" y="1121474"/>
               <a:ext cx="2573866" cy="1253065"/>
             </a:xfrm>
             <a:prstGeom prst="rect">
@@ -4367,14 +4311,6 @@
                 </a:rPr>
                 <a:t>Signature Description</a:t>
               </a:r>
-              <a:endParaRPr lang="en-US" altLang="ja-JP" sz="2800" dirty="0">
-                <a:solidFill>
-                  <a:schemeClr val="tx1"/>
-                </a:solidFill>
-                <a:latin typeface="メイリオ" panose="020B0604030504040204" pitchFamily="50" charset="-128"/>
-                <a:ea typeface="メイリオ" panose="020B0604030504040204" pitchFamily="50" charset="-128"/>
-                <a:cs typeface="メイリオ" pitchFamily="50" charset="-128"/>
-              </a:endParaRPr>
             </a:p>
           </p:txBody>
         </p:sp>
@@ -4454,14 +4390,6 @@
                 </a:rPr>
                 <a:t> Description</a:t>
               </a:r>
-              <a:endParaRPr lang="en-US" altLang="ja-JP" sz="2800" dirty="0">
-                <a:solidFill>
-                  <a:schemeClr val="tx1"/>
-                </a:solidFill>
-                <a:latin typeface="メイリオ" panose="020B0604030504040204" pitchFamily="50" charset="-128"/>
-                <a:ea typeface="メイリオ" panose="020B0604030504040204" pitchFamily="50" charset="-128"/>
-                <a:cs typeface="メイリオ" pitchFamily="50" charset="-128"/>
-              </a:endParaRPr>
             </a:p>
           </p:txBody>
         </p:sp>
@@ -4473,7 +4401,7 @@
           </p:nvSpPr>
           <p:spPr bwMode="auto">
             <a:xfrm>
-              <a:off x="6970921" y="1139939"/>
+              <a:off x="8086489" y="1139939"/>
               <a:ext cx="2573866" cy="1253065"/>
             </a:xfrm>
             <a:prstGeom prst="rect">
@@ -4554,14 +4482,6 @@
                 </a:rPr>
                 <a:t>Description</a:t>
               </a:r>
-              <a:endParaRPr lang="en-US" altLang="ja-JP" sz="2800" dirty="0">
-                <a:solidFill>
-                  <a:schemeClr val="tx1"/>
-                </a:solidFill>
-                <a:latin typeface="メイリオ" panose="020B0604030504040204" pitchFamily="50" charset="-128"/>
-                <a:ea typeface="メイリオ" panose="020B0604030504040204" pitchFamily="50" charset="-128"/>
-                <a:cs typeface="メイリオ" pitchFamily="50" charset="-128"/>
-              </a:endParaRPr>
             </a:p>
           </p:txBody>
         </p:sp>
@@ -4574,10 +4494,10 @@
         </p:nvGrpSpPr>
         <p:grpSpPr>
           <a:xfrm>
-            <a:off x="128791" y="1526992"/>
-            <a:ext cx="11912958" cy="2075031"/>
-            <a:chOff x="128787" y="993304"/>
-            <a:chExt cx="11912958" cy="2075031"/>
+            <a:off x="64403" y="464419"/>
+            <a:ext cx="11977346" cy="1822292"/>
+            <a:chOff x="64399" y="154539"/>
+            <a:chExt cx="11977346" cy="2517449"/>
           </a:xfrm>
         </p:grpSpPr>
         <p:sp>
@@ -4588,8 +4508,8 @@
           </p:nvSpPr>
           <p:spPr>
             <a:xfrm>
-              <a:off x="128788" y="993304"/>
-              <a:ext cx="11912957" cy="2060436"/>
+              <a:off x="128788" y="920476"/>
+              <a:ext cx="11912957" cy="1751512"/>
             </a:xfrm>
             <a:prstGeom prst="rect">
               <a:avLst/>
@@ -4640,8 +4560,8 @@
           </p:nvSpPr>
           <p:spPr bwMode="auto">
             <a:xfrm>
-              <a:off x="128787" y="2505644"/>
-              <a:ext cx="8545652" cy="562691"/>
+              <a:off x="64399" y="154539"/>
+              <a:ext cx="7159357" cy="562691"/>
             </a:xfrm>
             <a:prstGeom prst="rect">
               <a:avLst/>
@@ -4689,7 +4609,7 @@
                 </a:spcAft>
               </a:pPr>
               <a:r>
-                <a:rPr lang="en-US" altLang="ja-JP" sz="2800" dirty="0">
+                <a:rPr lang="en-US" altLang="ja-JP" sz="2400" dirty="0">
                   <a:solidFill>
                     <a:schemeClr val="tx1"/>
                   </a:solidFill>
@@ -4699,14 +4619,6 @@
                 </a:rPr>
                 <a:t>TECS CDL (Component Description Language)</a:t>
               </a:r>
-              <a:endParaRPr lang="en-US" altLang="ja-JP" sz="2800" dirty="0">
-                <a:solidFill>
-                  <a:schemeClr val="tx1"/>
-                </a:solidFill>
-                <a:latin typeface="メイリオ" panose="020B0604030504040204" pitchFamily="50" charset="-128"/>
-                <a:ea typeface="メイリオ" panose="020B0604030504040204" pitchFamily="50" charset="-128"/>
-                <a:cs typeface="メイリオ" pitchFamily="50" charset="-128"/>
-              </a:endParaRPr>
             </a:p>
           </p:txBody>
         </p:sp>
@@ -4719,8 +4631,8 @@
         </p:nvSpPr>
         <p:spPr>
           <a:xfrm>
-            <a:off x="9758494" y="833646"/>
-            <a:ext cx="787550" cy="1247282"/>
+            <a:off x="8039422" y="680178"/>
+            <a:ext cx="787550" cy="1066302"/>
           </a:xfrm>
           <a:prstGeom prst="upDownArrow">
             <a:avLst/>
@@ -4772,8 +4684,8 @@
         </p:nvSpPr>
         <p:spPr>
           <a:xfrm>
-            <a:off x="5847078" y="3520136"/>
-            <a:ext cx="818803" cy="754071"/>
+            <a:off x="5847077" y="2209649"/>
+            <a:ext cx="818803" cy="442460"/>
           </a:xfrm>
           <a:prstGeom prst="downArrow">
             <a:avLst/>
@@ -4825,8 +4737,8 @@
         </p:nvSpPr>
         <p:spPr>
           <a:xfrm rot="10800000">
-            <a:off x="1163220" y="4582163"/>
-            <a:ext cx="3590800" cy="1249017"/>
+            <a:off x="1163220" y="2878948"/>
+            <a:ext cx="3590800" cy="783428"/>
           </a:xfrm>
           <a:prstGeom prst="bentUpArrow">
             <a:avLst>
@@ -4882,8 +4794,8 @@
         </p:nvSpPr>
         <p:spPr>
           <a:xfrm>
-            <a:off x="1207537" y="7365104"/>
-            <a:ext cx="818803" cy="2120584"/>
+            <a:off x="1096765" y="4481372"/>
+            <a:ext cx="818803" cy="1812888"/>
           </a:xfrm>
           <a:prstGeom prst="downArrow">
             <a:avLst/>
@@ -4935,8 +4847,8 @@
         </p:nvSpPr>
         <p:spPr>
           <a:xfrm>
-            <a:off x="5847078" y="5498559"/>
-            <a:ext cx="818803" cy="1068943"/>
+            <a:off x="5847076" y="3578125"/>
+            <a:ext cx="818803" cy="671738"/>
           </a:xfrm>
           <a:prstGeom prst="downArrow">
             <a:avLst/>
@@ -4988,8 +4900,8 @@
         </p:nvSpPr>
         <p:spPr>
           <a:xfrm>
-            <a:off x="10262537" y="7196622"/>
-            <a:ext cx="818803" cy="797875"/>
+            <a:off x="10528545" y="4456287"/>
+            <a:ext cx="818803" cy="461491"/>
           </a:xfrm>
           <a:prstGeom prst="downArrow">
             <a:avLst/>
@@ -5041,8 +4953,8 @@
         </p:nvSpPr>
         <p:spPr>
           <a:xfrm>
-            <a:off x="5847078" y="8282507"/>
-            <a:ext cx="818803" cy="1150212"/>
+            <a:off x="5847076" y="5221509"/>
+            <a:ext cx="818803" cy="843575"/>
           </a:xfrm>
           <a:prstGeom prst="downArrow">
             <a:avLst/>
@@ -5094,8 +5006,8 @@
         </p:nvSpPr>
         <p:spPr>
           <a:xfrm>
-            <a:off x="10262537" y="9350390"/>
-            <a:ext cx="818803" cy="781975"/>
+            <a:off x="10528545" y="5652139"/>
+            <a:ext cx="818803" cy="561003"/>
           </a:xfrm>
           <a:prstGeom prst="downArrow">
             <a:avLst/>
@@ -5147,8 +5059,8 @@
         </p:nvSpPr>
         <p:spPr>
           <a:xfrm>
-            <a:off x="5847078" y="11050627"/>
-            <a:ext cx="818803" cy="688295"/>
+            <a:off x="5847076" y="6992615"/>
+            <a:ext cx="818803" cy="588424"/>
           </a:xfrm>
           <a:prstGeom prst="downArrow">
             <a:avLst/>
@@ -5200,8 +5112,8 @@
         </p:nvSpPr>
         <p:spPr>
           <a:xfrm rot="16200000">
-            <a:off x="4100175" y="9803767"/>
-            <a:ext cx="818803" cy="919944"/>
+            <a:off x="4101174" y="5745610"/>
+            <a:ext cx="699995" cy="1338942"/>
           </a:xfrm>
           <a:prstGeom prst="downArrow">
             <a:avLst/>
@@ -5253,8 +5165,8 @@
         </p:nvSpPr>
         <p:spPr>
           <a:xfrm rot="5400000">
-            <a:off x="8084696" y="9665878"/>
-            <a:ext cx="818803" cy="1633530"/>
+            <a:off x="8175264" y="5410943"/>
+            <a:ext cx="699995" cy="2053374"/>
           </a:xfrm>
           <a:prstGeom prst="downArrow">
             <a:avLst/>
@@ -5306,8 +5218,8 @@
         </p:nvSpPr>
         <p:spPr>
           <a:xfrm rot="10800000" flipH="1">
-            <a:off x="7756549" y="4582164"/>
-            <a:ext cx="3590800" cy="1249017"/>
+            <a:off x="7756549" y="2878948"/>
+            <a:ext cx="3590800" cy="783427"/>
           </a:xfrm>
           <a:prstGeom prst="bentUpArrow">
             <a:avLst>
